--- a/New folder/how to attach owl-coursel.pptx
+++ b/New folder/how to attach owl-coursel.pptx
@@ -6,9 +6,16 @@
   </p:sldMasterIdLst>
   <p:sldIdLst>
     <p:sldId id="256" r:id="rId2"/>
-    <p:sldId id="257" r:id="rId3"/>
-    <p:sldId id="258" r:id="rId4"/>
-    <p:sldId id="259" r:id="rId5"/>
+    <p:sldId id="260" r:id="rId3"/>
+    <p:sldId id="257" r:id="rId4"/>
+    <p:sldId id="258" r:id="rId5"/>
+    <p:sldId id="259" r:id="rId6"/>
+    <p:sldId id="261" r:id="rId7"/>
+    <p:sldId id="262" r:id="rId8"/>
+    <p:sldId id="263" r:id="rId9"/>
+    <p:sldId id="264" r:id="rId10"/>
+    <p:sldId id="265" r:id="rId11"/>
+    <p:sldId id="266" r:id="rId12"/>
   </p:sldIdLst>
   <p:sldSz cx="12192000" cy="6858000"/>
   <p:notesSz cx="6858000" cy="9144000"/>
@@ -107,6 +114,11 @@
       </a:defRPr>
     </a:lvl9pPr>
   </p:defaultTextStyle>
+  <p:extLst>
+    <p:ext uri="{EFAFB233-063F-42B5-8137-9DF3F51BA10A}">
+      <p15:sldGuideLst xmlns:p15="http://schemas.microsoft.com/office/powerpoint/2012/main"/>
+    </p:ext>
+  </p:extLst>
 </p:presentation>
 </file>
 
@@ -261,7 +273,7 @@
           <a:p>
             <a:fld id="{16331F22-B6AE-4717-B470-D8DE15237DC7}" type="datetimeFigureOut">
               <a:rPr lang="en-US" smtClean="0"/>
-              <a:t>8/25/2017</a:t>
+              <a:t>8/26/2017</a:t>
             </a:fld>
             <a:endParaRPr lang="en-US"/>
           </a:p>
@@ -459,7 +471,7 @@
           <a:p>
             <a:fld id="{16331F22-B6AE-4717-B470-D8DE15237DC7}" type="datetimeFigureOut">
               <a:rPr lang="en-US" smtClean="0"/>
-              <a:t>8/25/2017</a:t>
+              <a:t>8/26/2017</a:t>
             </a:fld>
             <a:endParaRPr lang="en-US"/>
           </a:p>
@@ -667,7 +679,7 @@
           <a:p>
             <a:fld id="{16331F22-B6AE-4717-B470-D8DE15237DC7}" type="datetimeFigureOut">
               <a:rPr lang="en-US" smtClean="0"/>
-              <a:t>8/25/2017</a:t>
+              <a:t>8/26/2017</a:t>
             </a:fld>
             <a:endParaRPr lang="en-US"/>
           </a:p>
@@ -865,7 +877,7 @@
           <a:p>
             <a:fld id="{16331F22-B6AE-4717-B470-D8DE15237DC7}" type="datetimeFigureOut">
               <a:rPr lang="en-US" smtClean="0"/>
-              <a:t>8/25/2017</a:t>
+              <a:t>8/26/2017</a:t>
             </a:fld>
             <a:endParaRPr lang="en-US"/>
           </a:p>
@@ -1140,7 +1152,7 @@
           <a:p>
             <a:fld id="{16331F22-B6AE-4717-B470-D8DE15237DC7}" type="datetimeFigureOut">
               <a:rPr lang="en-US" smtClean="0"/>
-              <a:t>8/25/2017</a:t>
+              <a:t>8/26/2017</a:t>
             </a:fld>
             <a:endParaRPr lang="en-US"/>
           </a:p>
@@ -1405,7 +1417,7 @@
           <a:p>
             <a:fld id="{16331F22-B6AE-4717-B470-D8DE15237DC7}" type="datetimeFigureOut">
               <a:rPr lang="en-US" smtClean="0"/>
-              <a:t>8/25/2017</a:t>
+              <a:t>8/26/2017</a:t>
             </a:fld>
             <a:endParaRPr lang="en-US"/>
           </a:p>
@@ -1817,7 +1829,7 @@
           <a:p>
             <a:fld id="{16331F22-B6AE-4717-B470-D8DE15237DC7}" type="datetimeFigureOut">
               <a:rPr lang="en-US" smtClean="0"/>
-              <a:t>8/25/2017</a:t>
+              <a:t>8/26/2017</a:t>
             </a:fld>
             <a:endParaRPr lang="en-US"/>
           </a:p>
@@ -1958,7 +1970,7 @@
           <a:p>
             <a:fld id="{16331F22-B6AE-4717-B470-D8DE15237DC7}" type="datetimeFigureOut">
               <a:rPr lang="en-US" smtClean="0"/>
-              <a:t>8/25/2017</a:t>
+              <a:t>8/26/2017</a:t>
             </a:fld>
             <a:endParaRPr lang="en-US"/>
           </a:p>
@@ -2071,7 +2083,7 @@
           <a:p>
             <a:fld id="{16331F22-B6AE-4717-B470-D8DE15237DC7}" type="datetimeFigureOut">
               <a:rPr lang="en-US" smtClean="0"/>
-              <a:t>8/25/2017</a:t>
+              <a:t>8/26/2017</a:t>
             </a:fld>
             <a:endParaRPr lang="en-US"/>
           </a:p>
@@ -2382,7 +2394,7 @@
           <a:p>
             <a:fld id="{16331F22-B6AE-4717-B470-D8DE15237DC7}" type="datetimeFigureOut">
               <a:rPr lang="en-US" smtClean="0"/>
-              <a:t>8/25/2017</a:t>
+              <a:t>8/26/2017</a:t>
             </a:fld>
             <a:endParaRPr lang="en-US"/>
           </a:p>
@@ -2670,7 +2682,7 @@
           <a:p>
             <a:fld id="{16331F22-B6AE-4717-B470-D8DE15237DC7}" type="datetimeFigureOut">
               <a:rPr lang="en-US" smtClean="0"/>
-              <a:t>8/25/2017</a:t>
+              <a:t>8/26/2017</a:t>
             </a:fld>
             <a:endParaRPr lang="en-US"/>
           </a:p>
@@ -2911,7 +2923,7 @@
           <a:p>
             <a:fld id="{16331F22-B6AE-4717-B470-D8DE15237DC7}" type="datetimeFigureOut">
               <a:rPr lang="en-US" smtClean="0"/>
-              <a:t>8/25/2017</a:t>
+              <a:t>8/26/2017</a:t>
             </a:fld>
             <a:endParaRPr lang="en-US"/>
           </a:p>
@@ -3398,7 +3410,289 @@
 </p:sld>
 </file>
 
+<file path=ppt/slides/slide10.xml><?xml version="1.0" encoding="utf-8"?>
+<p:sld xmlns:a="http://schemas.openxmlformats.org/drawingml/2006/main" xmlns:r="http://schemas.openxmlformats.org/officeDocument/2006/relationships" xmlns:p="http://schemas.openxmlformats.org/presentationml/2006/main">
+  <p:cSld>
+    <p:spTree>
+      <p:nvGrpSpPr>
+        <p:cNvPr id="1" name=""/>
+        <p:cNvGrpSpPr/>
+        <p:nvPr/>
+      </p:nvGrpSpPr>
+      <p:grpSpPr>
+        <a:xfrm>
+          <a:off x="0" y="0"/>
+          <a:ext cx="0" cy="0"/>
+          <a:chOff x="0" y="0"/>
+          <a:chExt cx="0" cy="0"/>
+        </a:xfrm>
+      </p:grpSpPr>
+      <p:sp>
+        <p:nvSpPr>
+          <p:cNvPr id="2" name="Title 1">
+            <a:extLst>
+              <a:ext uri="{FF2B5EF4-FFF2-40B4-BE49-F238E27FC236}">
+                <a16:creationId xmlns:a16="http://schemas.microsoft.com/office/drawing/2014/main" id="{FEB3E111-F159-48D4-AB5C-ECDF6EC668F4}"/>
+              </a:ext>
+            </a:extLst>
+          </p:cNvPr>
+          <p:cNvSpPr>
+            <a:spLocks noGrp="1"/>
+          </p:cNvSpPr>
+          <p:nvPr>
+            <p:ph type="title"/>
+          </p:nvPr>
+        </p:nvSpPr>
+        <p:spPr/>
+        <p:txBody>
+          <a:bodyPr/>
+          <a:lstStyle/>
+          <a:p>
+            <a:r>
+              <a:rPr lang="en-US" dirty="0" err="1"/>
+              <a:t>Jquery</a:t>
+            </a:r>
+            <a:r>
+              <a:rPr lang="en-US" dirty="0"/>
+              <a:t> </a:t>
+            </a:r>
+            <a:r>
+              <a:rPr lang="en-US" dirty="0" err="1"/>
+              <a:t>val</a:t>
+            </a:r>
+            <a:r>
+              <a:rPr lang="en-US" dirty="0"/>
+              <a:t> always work on a box</a:t>
+            </a:r>
+          </a:p>
+        </p:txBody>
+      </p:sp>
+      <p:pic>
+        <p:nvPicPr>
+          <p:cNvPr id="4" name="Content Placeholder 3">
+            <a:extLst>
+              <a:ext uri="{FF2B5EF4-FFF2-40B4-BE49-F238E27FC236}">
+                <a16:creationId xmlns:a16="http://schemas.microsoft.com/office/drawing/2014/main" id="{1BBCCA0B-DE61-40DF-89D6-631D1C5743CF}"/>
+              </a:ext>
+            </a:extLst>
+          </p:cNvPr>
+          <p:cNvPicPr>
+            <a:picLocks noGrp="1" noChangeAspect="1"/>
+          </p:cNvPicPr>
+          <p:nvPr>
+            <p:ph idx="1"/>
+          </p:nvPr>
+        </p:nvPicPr>
+        <p:blipFill>
+          <a:blip r:embed="rId2"/>
+          <a:stretch>
+            <a:fillRect/>
+          </a:stretch>
+        </p:blipFill>
+        <p:spPr>
+          <a:xfrm>
+            <a:off x="2469885" y="1825625"/>
+            <a:ext cx="7252230" cy="4351338"/>
+          </a:xfrm>
+          <a:prstGeom prst="rect">
+            <a:avLst/>
+          </a:prstGeom>
+        </p:spPr>
+      </p:pic>
+    </p:spTree>
+    <p:extLst>
+      <p:ext uri="{BB962C8B-B14F-4D97-AF65-F5344CB8AC3E}">
+        <p14:creationId xmlns:p14="http://schemas.microsoft.com/office/powerpoint/2010/main" val="3658647309"/>
+      </p:ext>
+    </p:extLst>
+  </p:cSld>
+  <p:clrMapOvr>
+    <a:masterClrMapping/>
+  </p:clrMapOvr>
+</p:sld>
+</file>
+
+<file path=ppt/slides/slide11.xml><?xml version="1.0" encoding="utf-8"?>
+<p:sld xmlns:a="http://schemas.openxmlformats.org/drawingml/2006/main" xmlns:r="http://schemas.openxmlformats.org/officeDocument/2006/relationships" xmlns:p="http://schemas.openxmlformats.org/presentationml/2006/main">
+  <p:cSld>
+    <p:spTree>
+      <p:nvGrpSpPr>
+        <p:cNvPr id="1" name=""/>
+        <p:cNvGrpSpPr/>
+        <p:nvPr/>
+      </p:nvGrpSpPr>
+      <p:grpSpPr>
+        <a:xfrm>
+          <a:off x="0" y="0"/>
+          <a:ext cx="0" cy="0"/>
+          <a:chOff x="0" y="0"/>
+          <a:chExt cx="0" cy="0"/>
+        </a:xfrm>
+      </p:grpSpPr>
+      <p:sp>
+        <p:nvSpPr>
+          <p:cNvPr id="2" name="Title 1">
+            <a:extLst>
+              <a:ext uri="{FF2B5EF4-FFF2-40B4-BE49-F238E27FC236}">
+                <a16:creationId xmlns:a16="http://schemas.microsoft.com/office/drawing/2014/main" id="{C8FF251F-FA15-441E-BED3-23A0E4F45B14}"/>
+              </a:ext>
+            </a:extLst>
+          </p:cNvPr>
+          <p:cNvSpPr>
+            <a:spLocks noGrp="1"/>
+          </p:cNvSpPr>
+          <p:nvPr>
+            <p:ph type="title"/>
+          </p:nvPr>
+        </p:nvSpPr>
+        <p:spPr/>
+        <p:txBody>
+          <a:bodyPr/>
+          <a:lstStyle/>
+          <a:p>
+            <a:r>
+              <a:rPr lang="en-US" dirty="0"/>
+              <a:t>jQuery delay effect</a:t>
+            </a:r>
+          </a:p>
+        </p:txBody>
+      </p:sp>
+      <p:pic>
+        <p:nvPicPr>
+          <p:cNvPr id="4" name="Content Placeholder 3">
+            <a:extLst>
+              <a:ext uri="{FF2B5EF4-FFF2-40B4-BE49-F238E27FC236}">
+                <a16:creationId xmlns:a16="http://schemas.microsoft.com/office/drawing/2014/main" id="{19A5CAAF-9618-489B-A53E-F1D44DA03501}"/>
+              </a:ext>
+            </a:extLst>
+          </p:cNvPr>
+          <p:cNvPicPr>
+            <a:picLocks noGrp="1" noChangeAspect="1"/>
+          </p:cNvPicPr>
+          <p:nvPr>
+            <p:ph idx="1"/>
+          </p:nvPr>
+        </p:nvPicPr>
+        <p:blipFill>
+          <a:blip r:embed="rId2"/>
+          <a:stretch>
+            <a:fillRect/>
+          </a:stretch>
+        </p:blipFill>
+        <p:spPr>
+          <a:xfrm>
+            <a:off x="2469885" y="1825625"/>
+            <a:ext cx="7252230" cy="4351338"/>
+          </a:xfrm>
+          <a:prstGeom prst="rect">
+            <a:avLst/>
+          </a:prstGeom>
+        </p:spPr>
+      </p:pic>
+    </p:spTree>
+    <p:extLst>
+      <p:ext uri="{BB962C8B-B14F-4D97-AF65-F5344CB8AC3E}">
+        <p14:creationId xmlns:p14="http://schemas.microsoft.com/office/powerpoint/2010/main" val="889642686"/>
+      </p:ext>
+    </p:extLst>
+  </p:cSld>
+  <p:clrMapOvr>
+    <a:masterClrMapping/>
+  </p:clrMapOvr>
+</p:sld>
+</file>
+
 <file path=ppt/slides/slide2.xml><?xml version="1.0" encoding="utf-8"?>
+<p:sld xmlns:a="http://schemas.openxmlformats.org/drawingml/2006/main" xmlns:r="http://schemas.openxmlformats.org/officeDocument/2006/relationships" xmlns:p="http://schemas.openxmlformats.org/presentationml/2006/main">
+  <p:cSld>
+    <p:spTree>
+      <p:nvGrpSpPr>
+        <p:cNvPr id="1" name=""/>
+        <p:cNvGrpSpPr/>
+        <p:nvPr/>
+      </p:nvGrpSpPr>
+      <p:grpSpPr>
+        <a:xfrm>
+          <a:off x="0" y="0"/>
+          <a:ext cx="0" cy="0"/>
+          <a:chOff x="0" y="0"/>
+          <a:chExt cx="0" cy="0"/>
+        </a:xfrm>
+      </p:grpSpPr>
+      <p:sp>
+        <p:nvSpPr>
+          <p:cNvPr id="2" name="Title 1">
+            <a:extLst>
+              <a:ext uri="{FF2B5EF4-FFF2-40B4-BE49-F238E27FC236}">
+                <a16:creationId xmlns:a16="http://schemas.microsoft.com/office/drawing/2014/main" id="{11E9646E-5E86-458A-B8E2-1561E0278431}"/>
+              </a:ext>
+            </a:extLst>
+          </p:cNvPr>
+          <p:cNvSpPr>
+            <a:spLocks noGrp="1"/>
+          </p:cNvSpPr>
+          <p:nvPr>
+            <p:ph type="title"/>
+          </p:nvPr>
+        </p:nvSpPr>
+        <p:spPr/>
+        <p:txBody>
+          <a:bodyPr/>
+          <a:lstStyle/>
+          <a:p>
+            <a:r>
+              <a:rPr lang="en-US" dirty="0"/>
+              <a:t>How to create parallax effect</a:t>
+            </a:r>
+          </a:p>
+        </p:txBody>
+      </p:sp>
+      <p:pic>
+        <p:nvPicPr>
+          <p:cNvPr id="4" name="Content Placeholder 3">
+            <a:extLst>
+              <a:ext uri="{FF2B5EF4-FFF2-40B4-BE49-F238E27FC236}">
+                <a16:creationId xmlns:a16="http://schemas.microsoft.com/office/drawing/2014/main" id="{51D4FBAE-D6A9-4255-80DD-A0E010D16FF9}"/>
+              </a:ext>
+            </a:extLst>
+          </p:cNvPr>
+          <p:cNvPicPr>
+            <a:picLocks noGrp="1" noChangeAspect="1"/>
+          </p:cNvPicPr>
+          <p:nvPr>
+            <p:ph idx="1"/>
+          </p:nvPr>
+        </p:nvPicPr>
+        <p:blipFill>
+          <a:blip r:embed="rId2"/>
+          <a:stretch>
+            <a:fillRect/>
+          </a:stretch>
+        </p:blipFill>
+        <p:spPr>
+          <a:xfrm>
+            <a:off x="2469885" y="1825625"/>
+            <a:ext cx="7252230" cy="4351338"/>
+          </a:xfrm>
+          <a:prstGeom prst="rect">
+            <a:avLst/>
+          </a:prstGeom>
+        </p:spPr>
+      </p:pic>
+    </p:spTree>
+    <p:extLst>
+      <p:ext uri="{BB962C8B-B14F-4D97-AF65-F5344CB8AC3E}">
+        <p14:creationId xmlns:p14="http://schemas.microsoft.com/office/powerpoint/2010/main" val="754632411"/>
+      </p:ext>
+    </p:extLst>
+  </p:cSld>
+  <p:clrMapOvr>
+    <a:masterClrMapping/>
+  </p:clrMapOvr>
+</p:sld>
+</file>
+
+<file path=ppt/slides/slide3.xml><?xml version="1.0" encoding="utf-8"?>
 <p:sld xmlns:a="http://schemas.openxmlformats.org/drawingml/2006/main" xmlns:r="http://schemas.openxmlformats.org/officeDocument/2006/relationships" xmlns:p="http://schemas.openxmlformats.org/presentationml/2006/main">
   <p:cSld>
     <p:spTree>
@@ -3485,7 +3779,7 @@
 </p:sld>
 </file>
 
-<file path=ppt/slides/slide3.xml><?xml version="1.0" encoding="utf-8"?>
+<file path=ppt/slides/slide4.xml><?xml version="1.0" encoding="utf-8"?>
 <p:sld xmlns:a="http://schemas.openxmlformats.org/drawingml/2006/main" xmlns:r="http://schemas.openxmlformats.org/officeDocument/2006/relationships" xmlns:p="http://schemas.openxmlformats.org/presentationml/2006/main">
   <p:cSld>
     <p:spTree>
@@ -3579,7 +3873,7 @@
 </p:sld>
 </file>
 
-<file path=ppt/slides/slide4.xml><?xml version="1.0" encoding="utf-8"?>
+<file path=ppt/slides/slide5.xml><?xml version="1.0" encoding="utf-8"?>
 <p:sld xmlns:a="http://schemas.openxmlformats.org/drawingml/2006/main" xmlns:r="http://schemas.openxmlformats.org/officeDocument/2006/relationships" xmlns:p="http://schemas.openxmlformats.org/presentationml/2006/main">
   <p:cSld>
     <p:spTree>
@@ -3667,6 +3961,357 @@
     <p:extLst>
       <p:ext uri="{BB962C8B-B14F-4D97-AF65-F5344CB8AC3E}">
         <p14:creationId xmlns:p14="http://schemas.microsoft.com/office/powerpoint/2010/main" val="1497798718"/>
+      </p:ext>
+    </p:extLst>
+  </p:cSld>
+  <p:clrMapOvr>
+    <a:masterClrMapping/>
+  </p:clrMapOvr>
+</p:sld>
+</file>
+
+<file path=ppt/slides/slide6.xml><?xml version="1.0" encoding="utf-8"?>
+<p:sld xmlns:a="http://schemas.openxmlformats.org/drawingml/2006/main" xmlns:r="http://schemas.openxmlformats.org/officeDocument/2006/relationships" xmlns:p="http://schemas.openxmlformats.org/presentationml/2006/main">
+  <p:cSld>
+    <p:spTree>
+      <p:nvGrpSpPr>
+        <p:cNvPr id="1" name=""/>
+        <p:cNvGrpSpPr/>
+        <p:nvPr/>
+      </p:nvGrpSpPr>
+      <p:grpSpPr>
+        <a:xfrm>
+          <a:off x="0" y="0"/>
+          <a:ext cx="0" cy="0"/>
+          <a:chOff x="0" y="0"/>
+          <a:chExt cx="0" cy="0"/>
+        </a:xfrm>
+      </p:grpSpPr>
+      <p:sp>
+        <p:nvSpPr>
+          <p:cNvPr id="2" name="Title 1">
+            <a:extLst>
+              <a:ext uri="{FF2B5EF4-FFF2-40B4-BE49-F238E27FC236}">
+                <a16:creationId xmlns:a16="http://schemas.microsoft.com/office/drawing/2014/main" id="{95A1588A-4E65-47B8-9E00-E949FFCB1DC3}"/>
+              </a:ext>
+            </a:extLst>
+          </p:cNvPr>
+          <p:cNvSpPr>
+            <a:spLocks noGrp="1"/>
+          </p:cNvSpPr>
+          <p:nvPr>
+            <p:ph type="title"/>
+          </p:nvPr>
+        </p:nvSpPr>
+        <p:spPr/>
+        <p:txBody>
+          <a:bodyPr/>
+          <a:lstStyle/>
+          <a:p>
+            <a:endParaRPr lang="en-US"/>
+          </a:p>
+        </p:txBody>
+      </p:sp>
+      <p:pic>
+        <p:nvPicPr>
+          <p:cNvPr id="4" name="Content Placeholder 3">
+            <a:extLst>
+              <a:ext uri="{FF2B5EF4-FFF2-40B4-BE49-F238E27FC236}">
+                <a16:creationId xmlns:a16="http://schemas.microsoft.com/office/drawing/2014/main" id="{CC29DDF1-B69E-43FB-8C39-2F13112A5ED5}"/>
+              </a:ext>
+            </a:extLst>
+          </p:cNvPr>
+          <p:cNvPicPr>
+            <a:picLocks noGrp="1" noChangeAspect="1"/>
+          </p:cNvPicPr>
+          <p:nvPr>
+            <p:ph idx="1"/>
+          </p:nvPr>
+        </p:nvPicPr>
+        <p:blipFill>
+          <a:blip r:embed="rId2"/>
+          <a:stretch>
+            <a:fillRect/>
+          </a:stretch>
+        </p:blipFill>
+        <p:spPr>
+          <a:xfrm>
+            <a:off x="2469885" y="1825625"/>
+            <a:ext cx="7252230" cy="4351338"/>
+          </a:xfrm>
+          <a:prstGeom prst="rect">
+            <a:avLst/>
+          </a:prstGeom>
+        </p:spPr>
+      </p:pic>
+    </p:spTree>
+    <p:extLst>
+      <p:ext uri="{BB962C8B-B14F-4D97-AF65-F5344CB8AC3E}">
+        <p14:creationId xmlns:p14="http://schemas.microsoft.com/office/powerpoint/2010/main" val="2971897171"/>
+      </p:ext>
+    </p:extLst>
+  </p:cSld>
+  <p:clrMapOvr>
+    <a:masterClrMapping/>
+  </p:clrMapOvr>
+</p:sld>
+</file>
+
+<file path=ppt/slides/slide7.xml><?xml version="1.0" encoding="utf-8"?>
+<p:sld xmlns:a="http://schemas.openxmlformats.org/drawingml/2006/main" xmlns:r="http://schemas.openxmlformats.org/officeDocument/2006/relationships" xmlns:p="http://schemas.openxmlformats.org/presentationml/2006/main">
+  <p:cSld>
+    <p:spTree>
+      <p:nvGrpSpPr>
+        <p:cNvPr id="1" name=""/>
+        <p:cNvGrpSpPr/>
+        <p:nvPr/>
+      </p:nvGrpSpPr>
+      <p:grpSpPr>
+        <a:xfrm>
+          <a:off x="0" y="0"/>
+          <a:ext cx="0" cy="0"/>
+          <a:chOff x="0" y="0"/>
+          <a:chExt cx="0" cy="0"/>
+        </a:xfrm>
+      </p:grpSpPr>
+      <p:sp>
+        <p:nvSpPr>
+          <p:cNvPr id="2" name="Title 1">
+            <a:extLst>
+              <a:ext uri="{FF2B5EF4-FFF2-40B4-BE49-F238E27FC236}">
+                <a16:creationId xmlns:a16="http://schemas.microsoft.com/office/drawing/2014/main" id="{15987206-F522-4653-9E92-1DEE16A29B11}"/>
+              </a:ext>
+            </a:extLst>
+          </p:cNvPr>
+          <p:cNvSpPr>
+            <a:spLocks noGrp="1"/>
+          </p:cNvSpPr>
+          <p:nvPr>
+            <p:ph type="title"/>
+          </p:nvPr>
+        </p:nvSpPr>
+        <p:spPr/>
+        <p:txBody>
+          <a:bodyPr/>
+          <a:lstStyle/>
+          <a:p>
+            <a:endParaRPr lang="en-US"/>
+          </a:p>
+        </p:txBody>
+      </p:sp>
+      <p:pic>
+        <p:nvPicPr>
+          <p:cNvPr id="4" name="Content Placeholder 3">
+            <a:extLst>
+              <a:ext uri="{FF2B5EF4-FFF2-40B4-BE49-F238E27FC236}">
+                <a16:creationId xmlns:a16="http://schemas.microsoft.com/office/drawing/2014/main" id="{B1703875-0E77-4181-87DE-21A96C81B55A}"/>
+              </a:ext>
+            </a:extLst>
+          </p:cNvPr>
+          <p:cNvPicPr>
+            <a:picLocks noGrp="1" noChangeAspect="1"/>
+          </p:cNvPicPr>
+          <p:nvPr>
+            <p:ph idx="1"/>
+          </p:nvPr>
+        </p:nvPicPr>
+        <p:blipFill>
+          <a:blip r:embed="rId2"/>
+          <a:stretch>
+            <a:fillRect/>
+          </a:stretch>
+        </p:blipFill>
+        <p:spPr>
+          <a:xfrm>
+            <a:off x="2469885" y="1825625"/>
+            <a:ext cx="7252230" cy="4351338"/>
+          </a:xfrm>
+          <a:prstGeom prst="rect">
+            <a:avLst/>
+          </a:prstGeom>
+        </p:spPr>
+      </p:pic>
+    </p:spTree>
+    <p:extLst>
+      <p:ext uri="{BB962C8B-B14F-4D97-AF65-F5344CB8AC3E}">
+        <p14:creationId xmlns:p14="http://schemas.microsoft.com/office/powerpoint/2010/main" val="1872464817"/>
+      </p:ext>
+    </p:extLst>
+  </p:cSld>
+  <p:clrMapOvr>
+    <a:masterClrMapping/>
+  </p:clrMapOvr>
+</p:sld>
+</file>
+
+<file path=ppt/slides/slide8.xml><?xml version="1.0" encoding="utf-8"?>
+<p:sld xmlns:a="http://schemas.openxmlformats.org/drawingml/2006/main" xmlns:r="http://schemas.openxmlformats.org/officeDocument/2006/relationships" xmlns:p="http://schemas.openxmlformats.org/presentationml/2006/main">
+  <p:cSld>
+    <p:spTree>
+      <p:nvGrpSpPr>
+        <p:cNvPr id="1" name=""/>
+        <p:cNvGrpSpPr/>
+        <p:nvPr/>
+      </p:nvGrpSpPr>
+      <p:grpSpPr>
+        <a:xfrm>
+          <a:off x="0" y="0"/>
+          <a:ext cx="0" cy="0"/>
+          <a:chOff x="0" y="0"/>
+          <a:chExt cx="0" cy="0"/>
+        </a:xfrm>
+      </p:grpSpPr>
+      <p:sp>
+        <p:nvSpPr>
+          <p:cNvPr id="2" name="Title 1">
+            <a:extLst>
+              <a:ext uri="{FF2B5EF4-FFF2-40B4-BE49-F238E27FC236}">
+                <a16:creationId xmlns:a16="http://schemas.microsoft.com/office/drawing/2014/main" id="{D259A3AC-1D0E-42A0-83BA-156EE67AD8FD}"/>
+              </a:ext>
+            </a:extLst>
+          </p:cNvPr>
+          <p:cNvSpPr>
+            <a:spLocks noGrp="1"/>
+          </p:cNvSpPr>
+          <p:nvPr>
+            <p:ph type="title"/>
+          </p:nvPr>
+        </p:nvSpPr>
+        <p:spPr/>
+        <p:txBody>
+          <a:bodyPr/>
+          <a:lstStyle/>
+          <a:p>
+            <a:endParaRPr lang="en-US"/>
+          </a:p>
+        </p:txBody>
+      </p:sp>
+      <p:pic>
+        <p:nvPicPr>
+          <p:cNvPr id="4" name="Content Placeholder 3">
+            <a:extLst>
+              <a:ext uri="{FF2B5EF4-FFF2-40B4-BE49-F238E27FC236}">
+                <a16:creationId xmlns:a16="http://schemas.microsoft.com/office/drawing/2014/main" id="{33C79CBA-9009-4EF8-8728-26DFFC120ED2}"/>
+              </a:ext>
+            </a:extLst>
+          </p:cNvPr>
+          <p:cNvPicPr>
+            <a:picLocks noGrp="1" noChangeAspect="1"/>
+          </p:cNvPicPr>
+          <p:nvPr>
+            <p:ph idx="1"/>
+          </p:nvPr>
+        </p:nvPicPr>
+        <p:blipFill>
+          <a:blip r:embed="rId2"/>
+          <a:stretch>
+            <a:fillRect/>
+          </a:stretch>
+        </p:blipFill>
+        <p:spPr>
+          <a:xfrm>
+            <a:off x="2469885" y="1825625"/>
+            <a:ext cx="7252230" cy="4351338"/>
+          </a:xfrm>
+          <a:prstGeom prst="rect">
+            <a:avLst/>
+          </a:prstGeom>
+        </p:spPr>
+      </p:pic>
+    </p:spTree>
+    <p:extLst>
+      <p:ext uri="{BB962C8B-B14F-4D97-AF65-F5344CB8AC3E}">
+        <p14:creationId xmlns:p14="http://schemas.microsoft.com/office/powerpoint/2010/main" val="1490679546"/>
+      </p:ext>
+    </p:extLst>
+  </p:cSld>
+  <p:clrMapOvr>
+    <a:masterClrMapping/>
+  </p:clrMapOvr>
+</p:sld>
+</file>
+
+<file path=ppt/slides/slide9.xml><?xml version="1.0" encoding="utf-8"?>
+<p:sld xmlns:a="http://schemas.openxmlformats.org/drawingml/2006/main" xmlns:r="http://schemas.openxmlformats.org/officeDocument/2006/relationships" xmlns:p="http://schemas.openxmlformats.org/presentationml/2006/main">
+  <p:cSld>
+    <p:spTree>
+      <p:nvGrpSpPr>
+        <p:cNvPr id="1" name=""/>
+        <p:cNvGrpSpPr/>
+        <p:nvPr/>
+      </p:nvGrpSpPr>
+      <p:grpSpPr>
+        <a:xfrm>
+          <a:off x="0" y="0"/>
+          <a:ext cx="0" cy="0"/>
+          <a:chOff x="0" y="0"/>
+          <a:chExt cx="0" cy="0"/>
+        </a:xfrm>
+      </p:grpSpPr>
+      <p:sp>
+        <p:nvSpPr>
+          <p:cNvPr id="2" name="Title 1">
+            <a:extLst>
+              <a:ext uri="{FF2B5EF4-FFF2-40B4-BE49-F238E27FC236}">
+                <a16:creationId xmlns:a16="http://schemas.microsoft.com/office/drawing/2014/main" id="{2C41BD18-5DDC-4D05-B228-5ECD7297BCA4}"/>
+              </a:ext>
+            </a:extLst>
+          </p:cNvPr>
+          <p:cNvSpPr>
+            <a:spLocks noGrp="1"/>
+          </p:cNvSpPr>
+          <p:nvPr>
+            <p:ph type="title"/>
+          </p:nvPr>
+        </p:nvSpPr>
+        <p:spPr/>
+        <p:txBody>
+          <a:bodyPr/>
+          <a:lstStyle/>
+          <a:p>
+            <a:r>
+              <a:rPr lang="en-US" dirty="0"/>
+              <a:t>Media query</a:t>
+            </a:r>
+          </a:p>
+        </p:txBody>
+      </p:sp>
+      <p:pic>
+        <p:nvPicPr>
+          <p:cNvPr id="4" name="Content Placeholder 3">
+            <a:extLst>
+              <a:ext uri="{FF2B5EF4-FFF2-40B4-BE49-F238E27FC236}">
+                <a16:creationId xmlns:a16="http://schemas.microsoft.com/office/drawing/2014/main" id="{C61B73C5-4A45-4AA8-9094-2CE95F95EE35}"/>
+              </a:ext>
+            </a:extLst>
+          </p:cNvPr>
+          <p:cNvPicPr>
+            <a:picLocks noGrp="1" noChangeAspect="1"/>
+          </p:cNvPicPr>
+          <p:nvPr>
+            <p:ph idx="1"/>
+          </p:nvPr>
+        </p:nvPicPr>
+        <p:blipFill>
+          <a:blip r:embed="rId2"/>
+          <a:stretch>
+            <a:fillRect/>
+          </a:stretch>
+        </p:blipFill>
+        <p:spPr>
+          <a:xfrm>
+            <a:off x="2469885" y="1825625"/>
+            <a:ext cx="7252230" cy="4351338"/>
+          </a:xfrm>
+          <a:prstGeom prst="rect">
+            <a:avLst/>
+          </a:prstGeom>
+        </p:spPr>
+      </p:pic>
+    </p:spTree>
+    <p:extLst>
+      <p:ext uri="{BB962C8B-B14F-4D97-AF65-F5344CB8AC3E}">
+        <p14:creationId xmlns:p14="http://schemas.microsoft.com/office/powerpoint/2010/main" val="3636804367"/>
       </p:ext>
     </p:extLst>
   </p:cSld>
